--- a/Cafe/cafe/src/main/resources/Presentation.pptx
+++ b/Cafe/cafe/src/main/resources/Presentation.pptx
@@ -7,6 +7,7 @@
   <p:sldIdLst>
     <p:sldId id="256" r:id="rId2"/>
     <p:sldId id="258" r:id="rId3"/>
+    <p:sldId id="259" r:id="rId4"/>
   </p:sldIdLst>
   <p:sldSz cx="12192000" cy="6858000"/>
   <p:notesSz cx="6858000" cy="9144000"/>
@@ -105,6 +106,11 @@
       </a:defRPr>
     </a:lvl9pPr>
   </p:defaultTextStyle>
+  <p:extLst>
+    <p:ext uri="{EFAFB233-063F-42B5-8137-9DF3F51BA10A}">
+      <p15:sldGuideLst xmlns:p15="http://schemas.microsoft.com/office/powerpoint/2012/main"/>
+    </p:ext>
+  </p:extLst>
 </p:presentation>
 </file>
 
@@ -255,7 +261,7 @@
           <a:p>
             <a:fld id="{B8D4E4BF-D75E-43DE-AA48-E3FBCC24027C}" type="datetimeFigureOut">
               <a:rPr lang="en-US" smtClean="0"/>
-              <a:t>6/1/2023</a:t>
+              <a:t>6/4/2023</a:t>
             </a:fld>
             <a:endParaRPr lang="en-US"/>
           </a:p>
@@ -453,7 +459,7 @@
           <a:p>
             <a:fld id="{B8D4E4BF-D75E-43DE-AA48-E3FBCC24027C}" type="datetimeFigureOut">
               <a:rPr lang="en-US" smtClean="0"/>
-              <a:t>6/1/2023</a:t>
+              <a:t>6/4/2023</a:t>
             </a:fld>
             <a:endParaRPr lang="en-US"/>
           </a:p>
@@ -661,7 +667,7 @@
           <a:p>
             <a:fld id="{B8D4E4BF-D75E-43DE-AA48-E3FBCC24027C}" type="datetimeFigureOut">
               <a:rPr lang="en-US" smtClean="0"/>
-              <a:t>6/1/2023</a:t>
+              <a:t>6/4/2023</a:t>
             </a:fld>
             <a:endParaRPr lang="en-US"/>
           </a:p>
@@ -859,7 +865,7 @@
           <a:p>
             <a:fld id="{B8D4E4BF-D75E-43DE-AA48-E3FBCC24027C}" type="datetimeFigureOut">
               <a:rPr lang="en-US" smtClean="0"/>
-              <a:t>6/1/2023</a:t>
+              <a:t>6/4/2023</a:t>
             </a:fld>
             <a:endParaRPr lang="en-US"/>
           </a:p>
@@ -1134,7 +1140,7 @@
           <a:p>
             <a:fld id="{B8D4E4BF-D75E-43DE-AA48-E3FBCC24027C}" type="datetimeFigureOut">
               <a:rPr lang="en-US" smtClean="0"/>
-              <a:t>6/1/2023</a:t>
+              <a:t>6/4/2023</a:t>
             </a:fld>
             <a:endParaRPr lang="en-US"/>
           </a:p>
@@ -1399,7 +1405,7 @@
           <a:p>
             <a:fld id="{B8D4E4BF-D75E-43DE-AA48-E3FBCC24027C}" type="datetimeFigureOut">
               <a:rPr lang="en-US" smtClean="0"/>
-              <a:t>6/1/2023</a:t>
+              <a:t>6/4/2023</a:t>
             </a:fld>
             <a:endParaRPr lang="en-US"/>
           </a:p>
@@ -1811,7 +1817,7 @@
           <a:p>
             <a:fld id="{B8D4E4BF-D75E-43DE-AA48-E3FBCC24027C}" type="datetimeFigureOut">
               <a:rPr lang="en-US" smtClean="0"/>
-              <a:t>6/1/2023</a:t>
+              <a:t>6/4/2023</a:t>
             </a:fld>
             <a:endParaRPr lang="en-US"/>
           </a:p>
@@ -1952,7 +1958,7 @@
           <a:p>
             <a:fld id="{B8D4E4BF-D75E-43DE-AA48-E3FBCC24027C}" type="datetimeFigureOut">
               <a:rPr lang="en-US" smtClean="0"/>
-              <a:t>6/1/2023</a:t>
+              <a:t>6/4/2023</a:t>
             </a:fld>
             <a:endParaRPr lang="en-US"/>
           </a:p>
@@ -2065,7 +2071,7 @@
           <a:p>
             <a:fld id="{B8D4E4BF-D75E-43DE-AA48-E3FBCC24027C}" type="datetimeFigureOut">
               <a:rPr lang="en-US" smtClean="0"/>
-              <a:t>6/1/2023</a:t>
+              <a:t>6/4/2023</a:t>
             </a:fld>
             <a:endParaRPr lang="en-US"/>
           </a:p>
@@ -2376,7 +2382,7 @@
           <a:p>
             <a:fld id="{B8D4E4BF-D75E-43DE-AA48-E3FBCC24027C}" type="datetimeFigureOut">
               <a:rPr lang="en-US" smtClean="0"/>
-              <a:t>6/1/2023</a:t>
+              <a:t>6/4/2023</a:t>
             </a:fld>
             <a:endParaRPr lang="en-US"/>
           </a:p>
@@ -2664,7 +2670,7 @@
           <a:p>
             <a:fld id="{B8D4E4BF-D75E-43DE-AA48-E3FBCC24027C}" type="datetimeFigureOut">
               <a:rPr lang="en-US" smtClean="0"/>
-              <a:t>6/1/2023</a:t>
+              <a:t>6/4/2023</a:t>
             </a:fld>
             <a:endParaRPr lang="en-US"/>
           </a:p>
@@ -2905,7 +2911,7 @@
           <a:p>
             <a:fld id="{B8D4E4BF-D75E-43DE-AA48-E3FBCC24027C}" type="datetimeFigureOut">
               <a:rPr lang="en-US" smtClean="0"/>
-              <a:t>6/1/2023</a:t>
+              <a:t>6/4/2023</a:t>
             </a:fld>
             <a:endParaRPr lang="en-US"/>
           </a:p>
@@ -3360,8 +3366,8 @@
           </a:p>
         </p:txBody>
       </p:sp>
-      <mc:AlternateContent xmlns:mc="http://schemas.openxmlformats.org/markup-compatibility/2006">
-        <mc:Choice xmlns:a14="http://schemas.microsoft.com/office/drawing/2010/main" Requires="a14">
+      <mc:AlternateContent xmlns:mc="http://schemas.openxmlformats.org/markup-compatibility/2006" xmlns:a14="http://schemas.microsoft.com/office/drawing/2010/main">
+        <mc:Choice Requires="a14">
           <p:graphicFrame>
             <p:nvGraphicFramePr>
               <p:cNvPr id="5" name="Table 5">
@@ -4476,7 +4482,7 @@
             </a:graphic>
           </p:graphicFrame>
         </mc:Choice>
-        <mc:Fallback>
+        <mc:Fallback xmlns="">
           <p:graphicFrame>
             <p:nvGraphicFramePr>
               <p:cNvPr id="5" name="Table 5">
@@ -6179,6 +6185,219 @@
 </p:sld>
 </file>
 
+<file path=ppt/slides/slide3.xml><?xml version="1.0" encoding="utf-8"?>
+<p:sld xmlns:a="http://schemas.openxmlformats.org/drawingml/2006/main" xmlns:r="http://schemas.openxmlformats.org/officeDocument/2006/relationships" xmlns:p="http://schemas.openxmlformats.org/presentationml/2006/main">
+  <p:cSld>
+    <p:spTree>
+      <p:nvGrpSpPr>
+        <p:cNvPr id="1" name=""/>
+        <p:cNvGrpSpPr/>
+        <p:nvPr/>
+      </p:nvGrpSpPr>
+      <p:grpSpPr>
+        <a:xfrm>
+          <a:off x="0" y="0"/>
+          <a:ext cx="0" cy="0"/>
+          <a:chOff x="0" y="0"/>
+          <a:chExt cx="0" cy="0"/>
+        </a:xfrm>
+      </p:grpSpPr>
+      <p:sp>
+        <p:nvSpPr>
+          <p:cNvPr id="2" name="Title 1">
+            <a:extLst>
+              <a:ext uri="{FF2B5EF4-FFF2-40B4-BE49-F238E27FC236}">
+                <a16:creationId xmlns:a16="http://schemas.microsoft.com/office/drawing/2014/main" id="{059183FF-38AA-4E89-A3A1-21904EBD1E75}"/>
+              </a:ext>
+            </a:extLst>
+          </p:cNvPr>
+          <p:cNvSpPr>
+            <a:spLocks noGrp="1"/>
+          </p:cNvSpPr>
+          <p:nvPr>
+            <p:ph type="title"/>
+          </p:nvPr>
+        </p:nvSpPr>
+        <p:spPr/>
+        <p:txBody>
+          <a:bodyPr/>
+          <a:lstStyle/>
+          <a:p>
+            <a:endParaRPr lang="en-US"/>
+          </a:p>
+        </p:txBody>
+      </p:sp>
+      <p:pic>
+        <p:nvPicPr>
+          <p:cNvPr id="5" name="Content Placeholder 4">
+            <a:extLst>
+              <a:ext uri="{FF2B5EF4-FFF2-40B4-BE49-F238E27FC236}">
+                <a16:creationId xmlns:a16="http://schemas.microsoft.com/office/drawing/2014/main" id="{5EB7D3DA-C9DD-4623-8DAB-7DA9E7FA91F9}"/>
+              </a:ext>
+            </a:extLst>
+          </p:cNvPr>
+          <p:cNvPicPr>
+            <a:picLocks noGrp="1" noChangeAspect="1"/>
+          </p:cNvPicPr>
+          <p:nvPr>
+            <p:ph idx="1"/>
+          </p:nvPr>
+        </p:nvPicPr>
+        <p:blipFill rotWithShape="1">
+          <a:blip r:embed="rId2">
+            <a:extLst>
+              <a:ext uri="{BEBA8EAE-BF5A-486C-A8C5-ECC9F3942E4B}">
+                <a14:imgProps xmlns:a14="http://schemas.microsoft.com/office/drawing/2010/main">
+                  <a14:imgLayer r:embed="rId3">
+                    <a14:imgEffect>
+                      <a14:backgroundRemoval t="3774" b="99461" l="1797" r="98516">
+                        <a14:foregroundMark x1="31641" y1="88410" x2="5156" y2="74663"/>
+                        <a14:foregroundMark x1="5156" y1="74663" x2="1875" y2="60377"/>
+                        <a14:foregroundMark x1="1875" y1="60377" x2="5938" y2="26146"/>
+                        <a14:foregroundMark x1="5938" y1="26146" x2="12031" y2="12129"/>
+                        <a14:foregroundMark x1="12031" y1="12129" x2="17031" y2="7278"/>
+                        <a14:foregroundMark x1="17031" y1="7278" x2="22422" y2="7278"/>
+                        <a14:foregroundMark x1="22422" y1="7278" x2="30859" y2="26954"/>
+                        <a14:foregroundMark x1="30859" y1="26954" x2="33594" y2="42588"/>
+                        <a14:foregroundMark x1="33594" y1="42588" x2="33672" y2="64151"/>
+                        <a14:foregroundMark x1="33672" y1="64151" x2="30312" y2="88949"/>
+                        <a14:foregroundMark x1="12266" y1="78706" x2="4766" y2="67116"/>
+                        <a14:foregroundMark x1="4766" y1="67116" x2="1016" y2="54178"/>
+                        <a14:foregroundMark x1="1016" y1="54178" x2="862" y2="37563"/>
+                        <a14:foregroundMark x1="2449" y1="32684" x2="7031" y2="19677"/>
+                        <a14:foregroundMark x1="7031" y1="19677" x2="13750" y2="11590"/>
+                        <a14:foregroundMark x1="13750" y1="11590" x2="18438" y2="11321"/>
+                        <a14:foregroundMark x1="18438" y1="11321" x2="20547" y2="39623"/>
+                        <a14:foregroundMark x1="20547" y1="39623" x2="20078" y2="56065"/>
+                        <a14:foregroundMark x1="20078" y1="56065" x2="15234" y2="63881"/>
+                        <a14:foregroundMark x1="15234" y1="63881" x2="10703" y2="66038"/>
+                        <a14:foregroundMark x1="10703" y1="66038" x2="8750" y2="78706"/>
+                        <a14:foregroundMark x1="15937" y1="8625" x2="9609" y2="5391"/>
+                        <a14:foregroundMark x1="9609" y1="5391" x2="5162" y2="10342"/>
+                        <a14:foregroundMark x1="2980" y1="23687" x2="2363" y2="28142"/>
+                        <a14:foregroundMark x1="2373" y1="33971" x2="3047" y2="66307"/>
+                        <a14:foregroundMark x1="2326" y1="31703" x2="2342" y2="32488"/>
+                        <a14:foregroundMark x1="3047" y1="66307" x2="5625" y2="79784"/>
+                        <a14:foregroundMark x1="5625" y1="79784" x2="14219" y2="99461"/>
+                        <a14:foregroundMark x1="14219" y1="99461" x2="18828" y2="98113"/>
+                        <a14:foregroundMark x1="18828" y1="98113" x2="22813" y2="88140"/>
+                        <a14:foregroundMark x1="22813" y1="88140" x2="17500" y2="83019"/>
+                        <a14:foregroundMark x1="17500" y1="83019" x2="13125" y2="11860"/>
+                        <a14:foregroundMark x1="13125" y1="11860" x2="14141" y2="3774"/>
+                        <a14:foregroundMark x1="2427" y1="15183" x2="2188" y2="15364"/>
+                        <a14:foregroundMark x1="7187" y1="11590" x2="6912" y2="11797"/>
+                        <a14:foregroundMark x1="2188" y1="15364" x2="1783" y2="20215"/>
+                        <a14:foregroundMark x1="767" y1="37387" x2="3828" y2="70081"/>
+                        <a14:foregroundMark x1="3828" y1="70081" x2="7578" y2="80054"/>
+                        <a14:foregroundMark x1="7578" y1="80054" x2="12344" y2="68194"/>
+                        <a14:foregroundMark x1="12344" y1="68194" x2="14375" y2="42588"/>
+                        <a14:foregroundMark x1="14375" y1="42588" x2="5781" y2="16981"/>
+                        <a14:foregroundMark x1="5781" y1="16981" x2="5781" y2="15218"/>
+                        <a14:foregroundMark x1="31406" y1="6739" x2="43125" y2="1887"/>
+                        <a14:foregroundMark x1="43125" y1="1887" x2="74531" y2="9164"/>
+                        <a14:foregroundMark x1="74531" y1="9164" x2="80625" y2="16442"/>
+                        <a14:foregroundMark x1="80625" y1="16442" x2="91641" y2="52561"/>
+                        <a14:foregroundMark x1="91641" y1="52561" x2="86563" y2="74933"/>
+                        <a14:foregroundMark x1="86563" y1="74933" x2="74453" y2="82749"/>
+                        <a14:foregroundMark x1="74453" y1="82749" x2="67422" y2="73315"/>
+                        <a14:foregroundMark x1="67422" y1="73315" x2="60391" y2="71968"/>
+                        <a14:foregroundMark x1="60391" y1="71968" x2="48594" y2="83827"/>
+                        <a14:foregroundMark x1="48594" y1="83827" x2="37344" y2="83827"/>
+                        <a14:foregroundMark x1="37344" y1="83827" x2="32969" y2="76280"/>
+                        <a14:foregroundMark x1="32969" y1="76280" x2="32578" y2="58491"/>
+                        <a14:foregroundMark x1="32578" y1="58491" x2="34766" y2="25606"/>
+                        <a14:foregroundMark x1="34766" y1="25606" x2="33125" y2="7008"/>
+                        <a14:foregroundMark x1="91490" y1="11535" x2="94219" y2="19137"/>
+                        <a14:foregroundMark x1="94219" y1="19137" x2="92656" y2="34501"/>
+                        <a14:foregroundMark x1="92656" y1="34501" x2="87578" y2="25337"/>
+                        <a14:foregroundMark x1="87578" y1="25337" x2="89297" y2="9164"/>
+                        <a14:foregroundMark x1="89297" y1="9164" x2="93828" y2="16442"/>
+                        <a14:foregroundMark x1="93828" y1="16442" x2="93828" y2="19407"/>
+                        <a14:foregroundMark x1="86094" y1="81941" x2="80625" y2="90566"/>
+                        <a14:foregroundMark x1="80625" y1="90566" x2="76328" y2="80593"/>
+                        <a14:foregroundMark x1="76328" y1="80593" x2="83047" y2="71698"/>
+                        <a14:foregroundMark x1="83047" y1="71698" x2="86563" y2="85714"/>
+                        <a14:foregroundMark x1="86563" y1="85714" x2="86172" y2="88679"/>
+                        <a14:foregroundMark x1="43047" y1="90566" x2="43125" y2="88410"/>
+                        <a14:foregroundMark x1="65469" y1="86253" x2="65469" y2="84906"/>
+                        <a14:foregroundMark x1="79063" y1="93801" x2="84141" y2="95148"/>
+                        <a14:foregroundMark x1="84141" y1="95148" x2="93984" y2="83558"/>
+                        <a14:foregroundMark x1="93984" y1="83558" x2="97422" y2="68464"/>
+                        <a14:foregroundMark x1="97422" y1="68464" x2="91875" y2="72237"/>
+                        <a14:foregroundMark x1="91875" y1="72237" x2="87813" y2="87332"/>
+                        <a14:foregroundMark x1="87813" y1="87332" x2="79219" y2="92183"/>
+                        <a14:foregroundMark x1="10859" y1="93801" x2="6172" y2="89488"/>
+                        <a14:foregroundMark x1="6172" y1="89488" x2="10625" y2="94340"/>
+                        <a14:foregroundMark x1="10625" y1="94340" x2="10625" y2="94340"/>
+                        <a14:foregroundMark x1="2500" y1="68733" x2="156" y2="49865"/>
+                        <a14:foregroundMark x1="156" y1="49865" x2="3047" y2="35849"/>
+                        <a14:foregroundMark x1="3047" y1="35849" x2="1797" y2="72507"/>
+                        <a14:foregroundMark x1="11328" y1="64420" x2="7266" y2="72776"/>
+                        <a14:foregroundMark x1="7266" y1="72776" x2="2734" y2="65768"/>
+                        <a14:foregroundMark x1="2734" y1="65768" x2="2656" y2="46092"/>
+                        <a14:foregroundMark x1="2656" y1="46092" x2="6563" y2="32615"/>
+                        <a14:foregroundMark x1="6563" y1="32615" x2="11172" y2="33962"/>
+                        <a14:foregroundMark x1="11172" y1="33962" x2="11172" y2="59030"/>
+                        <a14:foregroundMark x1="11172" y1="59030" x2="8594" y2="77628"/>
+                        <a14:foregroundMark x1="84844" y1="96496" x2="93906" y2="84906"/>
+                        <a14:foregroundMark x1="93906" y1="84906" x2="96875" y2="71429"/>
+                        <a14:foregroundMark x1="96875" y1="71429" x2="97344" y2="39623"/>
+                        <a14:foregroundMark x1="97344" y1="39623" x2="93203" y2="9973"/>
+                        <a14:foregroundMark x1="93203" y1="9973" x2="88750" y2="16712"/>
+                        <a14:foregroundMark x1="88750" y1="16712" x2="88906" y2="77089"/>
+                        <a14:foregroundMark x1="88906" y1="77089" x2="85781" y2="99730"/>
+                        <a14:foregroundMark x1="96953" y1="29919" x2="98281" y2="45553"/>
+                        <a14:foregroundMark x1="98281" y1="45553" x2="98047" y2="61995"/>
+                        <a14:foregroundMark x1="98047" y1="61995" x2="95547" y2="48518"/>
+                        <a14:foregroundMark x1="95547" y1="48518" x2="97188" y2="33693"/>
+                        <a14:foregroundMark x1="97188" y1="33693" x2="98516" y2="35310"/>
+                        <a14:backgroundMark x1="93125" y1="93261" x2="88047" y2="99191"/>
+                        <a14:backgroundMark x1="1719" y1="20755" x2="7109" y2="0"/>
+                        <a14:backgroundMark x1="93098" y1="7988" x2="94766" y2="10512"/>
+                        <a14:backgroundMark x1="92467" y1="7033" x2="92968" y2="7792"/>
+                        <a14:backgroundMark x1="90313" y1="3774" x2="91830" y2="6071"/>
+                        <a14:backgroundMark x1="99211" y1="32356" x2="99922" y2="35849"/>
+                        <a14:backgroundMark x1="94766" y1="10512" x2="98421" y2="28475"/>
+                        <a14:backgroundMark x1="1094" y1="26146" x2="9297" y2="1348"/>
+                        <a14:backgroundMark x1="7969" y1="96496" x2="3750" y2="88949"/>
+                        <a14:backgroundMark x1="3750" y1="88949" x2="1172" y2="76011"/>
+                        <a14:backgroundMark x1="1172" y1="76011" x2="78" y2="64690"/>
+                        <a14:backgroundMark x1="1953" y1="26415" x2="1094" y2="27493"/>
+                        <a14:backgroundMark x1="1094" y1="30189" x2="78" y2="36119"/>
+                        <a14:backgroundMark x1="469" y1="63342" x2="78" y2="38814"/>
+                      </a14:backgroundRemoval>
+                    </a14:imgEffect>
+                    <a14:imgEffect>
+                      <a14:saturation sat="200000"/>
+                    </a14:imgEffect>
+                  </a14:imgLayer>
+                </a14:imgProps>
+              </a:ext>
+            </a:extLst>
+          </a:blip>
+          <a:srcRect t="3722" r="1151" b="2745"/>
+          <a:stretch/>
+        </p:blipFill>
+        <p:spPr>
+          <a:xfrm>
+            <a:off x="838200" y="2590800"/>
+            <a:ext cx="10394576" cy="2850776"/>
+          </a:xfrm>
+        </p:spPr>
+      </p:pic>
+    </p:spTree>
+    <p:extLst>
+      <p:ext uri="{BB962C8B-B14F-4D97-AF65-F5344CB8AC3E}">
+        <p14:creationId xmlns:p14="http://schemas.microsoft.com/office/powerpoint/2010/main" val="710631262"/>
+      </p:ext>
+    </p:extLst>
+  </p:cSld>
+  <p:clrMapOvr>
+    <a:masterClrMapping/>
+  </p:clrMapOvr>
+</p:sld>
+</file>
+
 <file path=ppt/theme/theme1.xml><?xml version="1.0" encoding="utf-8"?>
 <a:theme xmlns:a="http://schemas.openxmlformats.org/drawingml/2006/main" name="Office Theme">
   <a:themeElements>
